--- a/assets/my_papers/2025.icml.poster.36in(H)x72in(W).pptx
+++ b/assets/my_papers/2025.icml.poster.36in(H)x72in(W).pptx
@@ -4896,6 +4896,46 @@
       </p:grpSpPr>
       <p:sp>
         <p:nvSpPr>
+          <p:cNvPr id="4" name="Google Shape;55;p13">
+            <a:extLst>
+              <a:ext uri="{FF2B5EF4-FFF2-40B4-BE49-F238E27FC236}">
+                <a16:creationId xmlns:a16="http://schemas.microsoft.com/office/drawing/2014/main" id="{5EFF715E-B221-0E6D-13EC-FA7A6FF3B37D}"/>
+              </a:ext>
+            </a:extLst>
+          </p:cNvPr>
+          <p:cNvSpPr/>
+          <p:nvPr/>
+        </p:nvSpPr>
+        <p:spPr>
+          <a:xfrm>
+            <a:off x="6299200" y="622061"/>
+            <a:ext cx="3166533" cy="300394"/>
+          </a:xfrm>
+          <a:prstGeom prst="roundRect">
+            <a:avLst>
+              <a:gd name="adj" fmla="val 11346"/>
+            </a:avLst>
+          </a:prstGeom>
+          <a:solidFill>
+            <a:srgbClr val="F3F3F3"/>
+          </a:solidFill>
+          <a:ln>
+            <a:noFill/>
+          </a:ln>
+        </p:spPr>
+        <p:txBody>
+          <a:bodyPr spcFirstLastPara="1" wrap="square" lIns="14737" tIns="14737" rIns="14737" bIns="14737" anchor="ctr" anchorCtr="0">
+            <a:noAutofit/>
+          </a:bodyPr>
+          <a:lstStyle/>
+          <a:p>
+            <a:pPr algn="ctr"/>
+            <a:endParaRPr sz="300" dirty="0"/>
+          </a:p>
+        </p:txBody>
+      </p:sp>
+      <p:sp>
+        <p:nvSpPr>
           <p:cNvPr id="116" name="Google Shape;82;p13">
             <a:extLst>
               <a:ext uri="{FF2B5EF4-FFF2-40B4-BE49-F238E27FC236}">
@@ -5068,7 +5108,7 @@
         <p:spPr>
           <a:xfrm>
             <a:off x="0" y="377091"/>
-            <a:ext cx="7264400" cy="460649"/>
+            <a:ext cx="6459166" cy="460649"/>
           </a:xfrm>
           <a:prstGeom prst="rect">
             <a:avLst/>
@@ -5358,36 +5398,6 @@
       </p:pic>
       <p:pic>
         <p:nvPicPr>
-          <p:cNvPr id="90" name="Google Shape;90;p13"/>
-          <p:cNvPicPr preferRelativeResize="0">
-            <a:picLocks noChangeAspect="1"/>
-          </p:cNvPicPr>
-          <p:nvPr/>
-        </p:nvPicPr>
-        <p:blipFill>
-          <a:blip r:embed="rId5">
-            <a:alphaModFix/>
-          </a:blip>
-          <a:stretch>
-            <a:fillRect/>
-          </a:stretch>
-        </p:blipFill>
-        <p:spPr>
-          <a:xfrm>
-            <a:off x="9981876" y="3827174"/>
-            <a:ext cx="851861" cy="851858"/>
-          </a:xfrm>
-          <a:prstGeom prst="rect">
-            <a:avLst/>
-          </a:prstGeom>
-          <a:noFill/>
-          <a:ln>
-            <a:noFill/>
-          </a:ln>
-        </p:spPr>
-      </p:pic>
-      <p:pic>
-        <p:nvPicPr>
           <p:cNvPr id="9" name="Graphic 8">
             <a:extLst>
               <a:ext uri="{FF2B5EF4-FFF2-40B4-BE49-F238E27FC236}">
@@ -5401,10 +5411,10 @@
           <p:nvPr/>
         </p:nvPicPr>
         <p:blipFill>
-          <a:blip r:embed="rId6">
+          <a:blip r:embed="rId5">
             <a:extLst>
               <a:ext uri="{96DAC541-7B7A-43D3-8B79-37D633B846F1}">
-                <asvg:svgBlip xmlns:asvg="http://schemas.microsoft.com/office/drawing/2016/SVG/main" r:embed="rId7"/>
+                <asvg:svgBlip xmlns:asvg="http://schemas.microsoft.com/office/drawing/2016/SVG/main" r:embed="rId6"/>
               </a:ext>
             </a:extLst>
           </a:blip>
@@ -5436,8 +5446,8 @@
         </p:nvSpPr>
         <p:spPr>
           <a:xfrm>
-            <a:off x="4618394" y="692858"/>
-            <a:ext cx="6269022" cy="2573628"/>
+            <a:off x="4618394" y="832794"/>
+            <a:ext cx="6269022" cy="2433692"/>
           </a:xfrm>
           <a:prstGeom prst="roundRect">
             <a:avLst>
@@ -5476,8 +5486,8 @@
         </p:nvSpPr>
         <p:spPr>
           <a:xfrm>
-            <a:off x="4776351" y="706417"/>
-            <a:ext cx="1404453" cy="460649"/>
+            <a:off x="6179207" y="648669"/>
+            <a:ext cx="3397778" cy="302338"/>
           </a:xfrm>
           <a:prstGeom prst="rect">
             <a:avLst/>
@@ -5493,6 +5503,7 @@
           </a:bodyPr>
           <a:lstStyle/>
           <a:p>
+            <a:pPr algn="ctr"/>
             <a:r>
               <a:rPr lang="en-US" sz="1400" b="1" dirty="0">
                 <a:solidFill>
@@ -5503,24 +5514,10 @@
                 <a:cs typeface="Source Sans Pro"/>
                 <a:sym typeface="Source Sans Pro"/>
               </a:rPr>
-              <a:t>Approach: SPRI</a:t>
-            </a:r>
-          </a:p>
-          <a:p>
-            <a:r>
-              <a:rPr lang="en-US" sz="1000" b="1" dirty="0">
-                <a:solidFill>
-                  <a:srgbClr val="BF5700"/>
-                </a:solidFill>
-                <a:latin typeface="Source Sans Pro"/>
-                <a:ea typeface="Source Sans Pro"/>
-                <a:cs typeface="Source Sans Pro"/>
-                <a:sym typeface="Source Sans Pro"/>
-              </a:rPr>
-              <a:t>(Situated-</a:t>
+              <a:t>Approach: SPRI (Situated-</a:t>
             </a:r>
             <a:r>
-              <a:rPr lang="en-US" sz="1000" b="1" dirty="0" err="1">
+              <a:rPr lang="en-US" sz="1400" b="1" dirty="0" err="1">
                 <a:solidFill>
                   <a:srgbClr val="BF5700"/>
                 </a:solidFill>
@@ -5532,7 +5529,7 @@
               <a:t>PRInciples</a:t>
             </a:r>
             <a:r>
-              <a:rPr lang="en-US" sz="1000" b="1" dirty="0">
+              <a:rPr lang="en-US" sz="1400" b="1" dirty="0">
                 <a:solidFill>
                   <a:srgbClr val="BF5700"/>
                 </a:solidFill>
@@ -5855,7 +5852,7 @@
           <p:nvPr/>
         </p:nvPicPr>
         <p:blipFill>
-          <a:blip r:embed="rId8">
+          <a:blip r:embed="rId7">
             <a:alphaModFix/>
           </a:blip>
           <a:stretch>
@@ -5891,10 +5888,10 @@
           <p:nvPr/>
         </p:nvPicPr>
         <p:blipFill>
-          <a:blip r:embed="rId9">
+          <a:blip r:embed="rId8">
             <a:extLst>
               <a:ext uri="{96DAC541-7B7A-43D3-8B79-37D633B846F1}">
-                <asvg:svgBlip xmlns:asvg="http://schemas.microsoft.com/office/drawing/2016/SVG/main" r:embed="rId10"/>
+                <asvg:svgBlip xmlns:asvg="http://schemas.microsoft.com/office/drawing/2016/SVG/main" r:embed="rId9"/>
               </a:ext>
             </a:extLst>
           </a:blip>
@@ -5927,7 +5924,7 @@
           <p:nvPr/>
         </p:nvPicPr>
         <p:blipFill>
-          <a:blip r:embed="rId11">
+          <a:blip r:embed="rId10">
             <a:extLst>
               <a:ext uri="{28A0092B-C50C-407E-A947-70E740481C1C}">
                 <a14:useLocalDpi xmlns:a14="http://schemas.microsoft.com/office/drawing/2010/main" val="0"/>
@@ -6301,99 +6298,6 @@
       </p:sp>
       <p:pic>
         <p:nvPicPr>
-          <p:cNvPr id="11" name="Picture 10">
-            <a:extLst>
-              <a:ext uri="{FF2B5EF4-FFF2-40B4-BE49-F238E27FC236}">
-                <a16:creationId xmlns:a16="http://schemas.microsoft.com/office/drawing/2014/main" id="{2B93F245-3231-D982-6F39-8FC12F556620}"/>
-              </a:ext>
-            </a:extLst>
-          </p:cNvPr>
-          <p:cNvPicPr>
-            <a:picLocks noChangeAspect="1"/>
-          </p:cNvPicPr>
-          <p:nvPr/>
-        </p:nvPicPr>
-        <p:blipFill>
-          <a:blip r:embed="rId12"/>
-          <a:srcRect l="8333" t="29840" r="51676" b="47728"/>
-          <a:stretch>
-            <a:fillRect/>
-          </a:stretch>
-        </p:blipFill>
-        <p:spPr>
-          <a:xfrm>
-            <a:off x="3622790" y="3740098"/>
-            <a:ext cx="1695450" cy="1230695"/>
-          </a:xfrm>
-          <a:prstGeom prst="rect">
-            <a:avLst/>
-          </a:prstGeom>
-        </p:spPr>
-      </p:pic>
-      <p:pic>
-        <p:nvPicPr>
-          <p:cNvPr id="12" name="Picture 11">
-            <a:extLst>
-              <a:ext uri="{FF2B5EF4-FFF2-40B4-BE49-F238E27FC236}">
-                <a16:creationId xmlns:a16="http://schemas.microsoft.com/office/drawing/2014/main" id="{52B4E8A5-2128-5C97-13BF-83DB7AF740E7}"/>
-              </a:ext>
-            </a:extLst>
-          </p:cNvPr>
-          <p:cNvPicPr>
-            <a:picLocks noChangeAspect="1"/>
-          </p:cNvPicPr>
-          <p:nvPr/>
-        </p:nvPicPr>
-        <p:blipFill>
-          <a:blip r:embed="rId13"/>
-          <a:srcRect l="8960" t="9183" r="11169" b="74499"/>
-          <a:stretch>
-            <a:fillRect/>
-          </a:stretch>
-        </p:blipFill>
-        <p:spPr>
-          <a:xfrm>
-            <a:off x="5392653" y="3582253"/>
-            <a:ext cx="4391459" cy="1161062"/>
-          </a:xfrm>
-          <a:prstGeom prst="rect">
-            <a:avLst/>
-          </a:prstGeom>
-        </p:spPr>
-      </p:pic>
-      <p:pic>
-        <p:nvPicPr>
-          <p:cNvPr id="16" name="Picture 15">
-            <a:extLst>
-              <a:ext uri="{FF2B5EF4-FFF2-40B4-BE49-F238E27FC236}">
-                <a16:creationId xmlns:a16="http://schemas.microsoft.com/office/drawing/2014/main" id="{23691905-3ECA-8EBF-4414-EEE96EF832A7}"/>
-              </a:ext>
-            </a:extLst>
-          </p:cNvPr>
-          <p:cNvPicPr>
-            <a:picLocks noChangeAspect="1"/>
-          </p:cNvPicPr>
-          <p:nvPr/>
-        </p:nvPicPr>
-        <p:blipFill>
-          <a:blip r:embed="rId12"/>
-          <a:srcRect l="8743" t="9458" r="10910" b="72799"/>
-          <a:stretch>
-            <a:fillRect/>
-          </a:stretch>
-        </p:blipFill>
-        <p:spPr>
-          <a:xfrm>
-            <a:off x="123740" y="3766363"/>
-            <a:ext cx="3406293" cy="973481"/>
-          </a:xfrm>
-          <a:prstGeom prst="rect">
-            <a:avLst/>
-          </a:prstGeom>
-        </p:spPr>
-      </p:pic>
-      <p:pic>
-        <p:nvPicPr>
           <p:cNvPr id="1107" name="Graphic 1106">
             <a:extLst>
               <a:ext uri="{FF2B5EF4-FFF2-40B4-BE49-F238E27FC236}">
@@ -6407,10 +6311,10 @@
           <p:nvPr/>
         </p:nvPicPr>
         <p:blipFill>
-          <a:blip r:embed="rId14">
+          <a:blip r:embed="rId11">
             <a:extLst>
               <a:ext uri="{96DAC541-7B7A-43D3-8B79-37D633B846F1}">
-                <asvg:svgBlip xmlns:asvg="http://schemas.microsoft.com/office/drawing/2016/SVG/main" r:embed="rId15"/>
+                <asvg:svgBlip xmlns:asvg="http://schemas.microsoft.com/office/drawing/2016/SVG/main" r:embed="rId12"/>
               </a:ext>
             </a:extLst>
           </a:blip>
@@ -6464,162 +6368,6 @@
       </p:cxnSp>
       <p:sp>
         <p:nvSpPr>
-          <p:cNvPr id="1113" name="Google Shape;75;p14">
-            <a:extLst>
-              <a:ext uri="{FF2B5EF4-FFF2-40B4-BE49-F238E27FC236}">
-                <a16:creationId xmlns:a16="http://schemas.microsoft.com/office/drawing/2014/main" id="{DD3DFEE6-DDE5-791E-70E0-B41982808D16}"/>
-              </a:ext>
-            </a:extLst>
-          </p:cNvPr>
-          <p:cNvSpPr/>
-          <p:nvPr/>
-        </p:nvSpPr>
-        <p:spPr>
-          <a:xfrm>
-            <a:off x="530225" y="4538870"/>
-            <a:ext cx="2954233" cy="89453"/>
-          </a:xfrm>
-          <a:prstGeom prst="roundRect">
-            <a:avLst>
-              <a:gd name="adj" fmla="val 16667"/>
-            </a:avLst>
-          </a:prstGeom>
-          <a:noFill/>
-          <a:ln w="12700" cap="flat" cmpd="sng">
-            <a:solidFill>
-              <a:srgbClr val="980000"/>
-            </a:solidFill>
-            <a:prstDash val="solid"/>
-            <a:round/>
-            <a:headEnd type="none" w="sm" len="sm"/>
-            <a:tailEnd type="none" w="sm" len="sm"/>
-          </a:ln>
-        </p:spPr>
-        <p:txBody>
-          <a:bodyPr spcFirstLastPara="1" wrap="square" lIns="91425" tIns="91425" rIns="91425" bIns="91425" anchor="ctr" anchorCtr="0">
-            <a:noAutofit/>
-          </a:bodyPr>
-          <a:lstStyle/>
-          <a:p>
-            <a:pPr marL="0" lvl="0" indent="0" algn="ctr" rtl="0">
-              <a:spcBef>
-                <a:spcPts val="0"/>
-              </a:spcBef>
-              <a:spcAft>
-                <a:spcPts val="0"/>
-              </a:spcAft>
-              <a:buNone/>
-            </a:pPr>
-            <a:endParaRPr/>
-          </a:p>
-        </p:txBody>
-      </p:sp>
-      <p:sp>
-        <p:nvSpPr>
-          <p:cNvPr id="1114" name="Google Shape;75;p14">
-            <a:extLst>
-              <a:ext uri="{FF2B5EF4-FFF2-40B4-BE49-F238E27FC236}">
-                <a16:creationId xmlns:a16="http://schemas.microsoft.com/office/drawing/2014/main" id="{3EE2249C-FFE3-6DFA-1695-AD02224D6438}"/>
-              </a:ext>
-            </a:extLst>
-          </p:cNvPr>
-          <p:cNvSpPr/>
-          <p:nvPr/>
-        </p:nvSpPr>
-        <p:spPr>
-          <a:xfrm>
-            <a:off x="3898899" y="4793542"/>
-            <a:ext cx="1379679" cy="77204"/>
-          </a:xfrm>
-          <a:prstGeom prst="roundRect">
-            <a:avLst>
-              <a:gd name="adj" fmla="val 16667"/>
-            </a:avLst>
-          </a:prstGeom>
-          <a:noFill/>
-          <a:ln w="12700" cap="flat" cmpd="sng">
-            <a:solidFill>
-              <a:srgbClr val="980000"/>
-            </a:solidFill>
-            <a:prstDash val="solid"/>
-            <a:round/>
-            <a:headEnd type="none" w="sm" len="sm"/>
-            <a:tailEnd type="none" w="sm" len="sm"/>
-          </a:ln>
-        </p:spPr>
-        <p:txBody>
-          <a:bodyPr spcFirstLastPara="1" wrap="square" lIns="91425" tIns="91425" rIns="91425" bIns="91425" anchor="ctr" anchorCtr="0">
-            <a:noAutofit/>
-          </a:bodyPr>
-          <a:lstStyle/>
-          <a:p>
-            <a:pPr marL="0" lvl="0" indent="0" algn="ctr" rtl="0">
-              <a:spcBef>
-                <a:spcPts val="0"/>
-              </a:spcBef>
-              <a:spcAft>
-                <a:spcPts val="0"/>
-              </a:spcAft>
-              <a:buNone/>
-            </a:pPr>
-            <a:endParaRPr/>
-          </a:p>
-        </p:txBody>
-      </p:sp>
-      <p:sp>
-        <p:nvSpPr>
-          <p:cNvPr id="1117" name="Google Shape;75;p14">
-            <a:extLst>
-              <a:ext uri="{FF2B5EF4-FFF2-40B4-BE49-F238E27FC236}">
-                <a16:creationId xmlns:a16="http://schemas.microsoft.com/office/drawing/2014/main" id="{E3119DCD-90B3-583F-370D-126E4B716359}"/>
-              </a:ext>
-            </a:extLst>
-          </p:cNvPr>
-          <p:cNvSpPr/>
-          <p:nvPr/>
-        </p:nvSpPr>
-        <p:spPr>
-          <a:xfrm>
-            <a:off x="5695949" y="4448175"/>
-            <a:ext cx="4054476" cy="90695"/>
-          </a:xfrm>
-          <a:prstGeom prst="roundRect">
-            <a:avLst>
-              <a:gd name="adj" fmla="val 16667"/>
-            </a:avLst>
-          </a:prstGeom>
-          <a:noFill/>
-          <a:ln w="12700" cap="flat" cmpd="sng">
-            <a:solidFill>
-              <a:srgbClr val="980000"/>
-            </a:solidFill>
-            <a:prstDash val="solid"/>
-            <a:round/>
-            <a:headEnd type="none" w="sm" len="sm"/>
-            <a:tailEnd type="none" w="sm" len="sm"/>
-          </a:ln>
-        </p:spPr>
-        <p:txBody>
-          <a:bodyPr spcFirstLastPara="1" wrap="square" lIns="91425" tIns="91425" rIns="91425" bIns="91425" anchor="ctr" anchorCtr="0">
-            <a:noAutofit/>
-          </a:bodyPr>
-          <a:lstStyle/>
-          <a:p>
-            <a:pPr marL="0" lvl="0" indent="0" algn="ctr" rtl="0">
-              <a:spcBef>
-                <a:spcPts val="0"/>
-              </a:spcBef>
-              <a:spcAft>
-                <a:spcPts val="0"/>
-              </a:spcAft>
-              <a:buNone/>
-            </a:pPr>
-            <a:endParaRPr/>
-          </a:p>
-        </p:txBody>
-      </p:sp>
-      <p:sp>
-        <p:nvSpPr>
           <p:cNvPr id="1119" name="TextBox 1118">
             <a:extLst>
               <a:ext uri="{FF2B5EF4-FFF2-40B4-BE49-F238E27FC236}">
@@ -6699,7 +6447,7 @@
           <p:nvPr/>
         </p:nvPicPr>
         <p:blipFill>
-          <a:blip r:embed="rId16">
+          <a:blip r:embed="rId13">
             <a:alphaModFix/>
           </a:blip>
           <a:stretch>
@@ -6785,7 +6533,7 @@
           <p:nvPr/>
         </p:nvPicPr>
         <p:blipFill>
-          <a:blip r:embed="rId16">
+          <a:blip r:embed="rId13">
             <a:alphaModFix/>
           </a:blip>
           <a:stretch>
@@ -7005,6 +6753,306 @@
           </a:p>
         </p:txBody>
       </p:sp>
+      <p:pic>
+        <p:nvPicPr>
+          <p:cNvPr id="6" name="Graphic 5">
+            <a:extLst>
+              <a:ext uri="{FF2B5EF4-FFF2-40B4-BE49-F238E27FC236}">
+                <a16:creationId xmlns:a16="http://schemas.microsoft.com/office/drawing/2014/main" id="{70B91DAC-632F-DD50-0373-F7EA443BA16F}"/>
+              </a:ext>
+            </a:extLst>
+          </p:cNvPr>
+          <p:cNvPicPr>
+            <a:picLocks noChangeAspect="1"/>
+          </p:cNvPicPr>
+          <p:nvPr/>
+        </p:nvPicPr>
+        <p:blipFill>
+          <a:blip r:embed="rId14">
+            <a:extLst>
+              <a:ext uri="{96DAC541-7B7A-43D3-8B79-37D633B846F1}">
+                <asvg:svgBlip xmlns:asvg="http://schemas.microsoft.com/office/drawing/2016/SVG/main" r:embed="rId15"/>
+              </a:ext>
+            </a:extLst>
+          </a:blip>
+          <a:stretch>
+            <a:fillRect/>
+          </a:stretch>
+        </p:blipFill>
+        <p:spPr>
+          <a:xfrm>
+            <a:off x="134840" y="3776853"/>
+            <a:ext cx="3390900" cy="952500"/>
+          </a:xfrm>
+          <a:prstGeom prst="rect">
+            <a:avLst/>
+          </a:prstGeom>
+        </p:spPr>
+      </p:pic>
+      <p:sp>
+        <p:nvSpPr>
+          <p:cNvPr id="1113" name="Google Shape;75;p14">
+            <a:extLst>
+              <a:ext uri="{FF2B5EF4-FFF2-40B4-BE49-F238E27FC236}">
+                <a16:creationId xmlns:a16="http://schemas.microsoft.com/office/drawing/2014/main" id="{DD3DFEE6-DDE5-791E-70E0-B41982808D16}"/>
+              </a:ext>
+            </a:extLst>
+          </p:cNvPr>
+          <p:cNvSpPr/>
+          <p:nvPr/>
+        </p:nvSpPr>
+        <p:spPr>
+          <a:xfrm>
+            <a:off x="530225" y="4538870"/>
+            <a:ext cx="2954233" cy="89453"/>
+          </a:xfrm>
+          <a:prstGeom prst="roundRect">
+            <a:avLst>
+              <a:gd name="adj" fmla="val 16667"/>
+            </a:avLst>
+          </a:prstGeom>
+          <a:noFill/>
+          <a:ln w="12700" cap="flat" cmpd="sng">
+            <a:solidFill>
+              <a:srgbClr val="980000"/>
+            </a:solidFill>
+            <a:prstDash val="solid"/>
+            <a:round/>
+            <a:headEnd type="none" w="sm" len="sm"/>
+            <a:tailEnd type="none" w="sm" len="sm"/>
+          </a:ln>
+        </p:spPr>
+        <p:txBody>
+          <a:bodyPr spcFirstLastPara="1" wrap="square" lIns="91425" tIns="91425" rIns="91425" bIns="91425" anchor="ctr" anchorCtr="0">
+            <a:noAutofit/>
+          </a:bodyPr>
+          <a:lstStyle/>
+          <a:p>
+            <a:pPr marL="0" lvl="0" indent="0" algn="ctr" rtl="0">
+              <a:spcBef>
+                <a:spcPts val="0"/>
+              </a:spcBef>
+              <a:spcAft>
+                <a:spcPts val="0"/>
+              </a:spcAft>
+              <a:buNone/>
+            </a:pPr>
+            <a:endParaRPr/>
+          </a:p>
+        </p:txBody>
+      </p:sp>
+      <p:pic>
+        <p:nvPicPr>
+          <p:cNvPr id="14" name="Graphic 13">
+            <a:extLst>
+              <a:ext uri="{FF2B5EF4-FFF2-40B4-BE49-F238E27FC236}">
+                <a16:creationId xmlns:a16="http://schemas.microsoft.com/office/drawing/2014/main" id="{9B5C40CE-AC7F-4AA3-8FA5-4665BDEFCAF3}"/>
+              </a:ext>
+            </a:extLst>
+          </p:cNvPr>
+          <p:cNvPicPr>
+            <a:picLocks noChangeAspect="1"/>
+          </p:cNvPicPr>
+          <p:nvPr/>
+        </p:nvPicPr>
+        <p:blipFill>
+          <a:blip r:embed="rId16">
+            <a:extLst>
+              <a:ext uri="{96DAC541-7B7A-43D3-8B79-37D633B846F1}">
+                <asvg:svgBlip xmlns:asvg="http://schemas.microsoft.com/office/drawing/2016/SVG/main" r:embed="rId17"/>
+              </a:ext>
+            </a:extLst>
+          </a:blip>
+          <a:stretch>
+            <a:fillRect/>
+          </a:stretch>
+        </p:blipFill>
+        <p:spPr>
+          <a:xfrm>
+            <a:off x="3629115" y="3755734"/>
+            <a:ext cx="1701800" cy="1219200"/>
+          </a:xfrm>
+          <a:prstGeom prst="rect">
+            <a:avLst/>
+          </a:prstGeom>
+        </p:spPr>
+      </p:pic>
+      <p:sp>
+        <p:nvSpPr>
+          <p:cNvPr id="1114" name="Google Shape;75;p14">
+            <a:extLst>
+              <a:ext uri="{FF2B5EF4-FFF2-40B4-BE49-F238E27FC236}">
+                <a16:creationId xmlns:a16="http://schemas.microsoft.com/office/drawing/2014/main" id="{3EE2249C-FFE3-6DFA-1695-AD02224D6438}"/>
+              </a:ext>
+            </a:extLst>
+          </p:cNvPr>
+          <p:cNvSpPr/>
+          <p:nvPr/>
+        </p:nvSpPr>
+        <p:spPr>
+          <a:xfrm>
+            <a:off x="3898899" y="4793542"/>
+            <a:ext cx="1379679" cy="77204"/>
+          </a:xfrm>
+          <a:prstGeom prst="roundRect">
+            <a:avLst>
+              <a:gd name="adj" fmla="val 16667"/>
+            </a:avLst>
+          </a:prstGeom>
+          <a:noFill/>
+          <a:ln w="12700" cap="flat" cmpd="sng">
+            <a:solidFill>
+              <a:srgbClr val="980000"/>
+            </a:solidFill>
+            <a:prstDash val="solid"/>
+            <a:round/>
+            <a:headEnd type="none" w="sm" len="sm"/>
+            <a:tailEnd type="none" w="sm" len="sm"/>
+          </a:ln>
+        </p:spPr>
+        <p:txBody>
+          <a:bodyPr spcFirstLastPara="1" wrap="square" lIns="91425" tIns="91425" rIns="91425" bIns="91425" anchor="ctr" anchorCtr="0">
+            <a:noAutofit/>
+          </a:bodyPr>
+          <a:lstStyle/>
+          <a:p>
+            <a:pPr marL="0" lvl="0" indent="0" algn="ctr" rtl="0">
+              <a:spcBef>
+                <a:spcPts val="0"/>
+              </a:spcBef>
+              <a:spcAft>
+                <a:spcPts val="0"/>
+              </a:spcAft>
+              <a:buNone/>
+            </a:pPr>
+            <a:endParaRPr/>
+          </a:p>
+        </p:txBody>
+      </p:sp>
+      <p:pic>
+        <p:nvPicPr>
+          <p:cNvPr id="18" name="Graphic 17">
+            <a:extLst>
+              <a:ext uri="{FF2B5EF4-FFF2-40B4-BE49-F238E27FC236}">
+                <a16:creationId xmlns:a16="http://schemas.microsoft.com/office/drawing/2014/main" id="{89DE1B13-E01E-1EE9-FC9B-DBB0FC190694}"/>
+              </a:ext>
+            </a:extLst>
+          </p:cNvPr>
+          <p:cNvPicPr>
+            <a:picLocks noChangeAspect="1"/>
+          </p:cNvPicPr>
+          <p:nvPr/>
+        </p:nvPicPr>
+        <p:blipFill>
+          <a:blip r:embed="rId18">
+            <a:extLst>
+              <a:ext uri="{96DAC541-7B7A-43D3-8B79-37D633B846F1}">
+                <asvg:svgBlip xmlns:asvg="http://schemas.microsoft.com/office/drawing/2016/SVG/main" r:embed="rId19"/>
+              </a:ext>
+            </a:extLst>
+          </a:blip>
+          <a:stretch>
+            <a:fillRect/>
+          </a:stretch>
+        </p:blipFill>
+        <p:spPr>
+          <a:xfrm>
+            <a:off x="5398466" y="3595812"/>
+            <a:ext cx="4381500" cy="1143000"/>
+          </a:xfrm>
+          <a:prstGeom prst="rect">
+            <a:avLst/>
+          </a:prstGeom>
+        </p:spPr>
+      </p:pic>
+      <p:sp>
+        <p:nvSpPr>
+          <p:cNvPr id="1117" name="Google Shape;75;p14">
+            <a:extLst>
+              <a:ext uri="{FF2B5EF4-FFF2-40B4-BE49-F238E27FC236}">
+                <a16:creationId xmlns:a16="http://schemas.microsoft.com/office/drawing/2014/main" id="{E3119DCD-90B3-583F-370D-126E4B716359}"/>
+              </a:ext>
+            </a:extLst>
+          </p:cNvPr>
+          <p:cNvSpPr/>
+          <p:nvPr/>
+        </p:nvSpPr>
+        <p:spPr>
+          <a:xfrm>
+            <a:off x="5695949" y="4448175"/>
+            <a:ext cx="4054476" cy="90695"/>
+          </a:xfrm>
+          <a:prstGeom prst="roundRect">
+            <a:avLst>
+              <a:gd name="adj" fmla="val 16667"/>
+            </a:avLst>
+          </a:prstGeom>
+          <a:noFill/>
+          <a:ln w="12700" cap="flat" cmpd="sng">
+            <a:solidFill>
+              <a:srgbClr val="980000"/>
+            </a:solidFill>
+            <a:prstDash val="solid"/>
+            <a:round/>
+            <a:headEnd type="none" w="sm" len="sm"/>
+            <a:tailEnd type="none" w="sm" len="sm"/>
+          </a:ln>
+        </p:spPr>
+        <p:txBody>
+          <a:bodyPr spcFirstLastPara="1" wrap="square" lIns="91425" tIns="91425" rIns="91425" bIns="91425" anchor="ctr" anchorCtr="0">
+            <a:noAutofit/>
+          </a:bodyPr>
+          <a:lstStyle/>
+          <a:p>
+            <a:pPr marL="0" lvl="0" indent="0" algn="ctr" rtl="0">
+              <a:spcBef>
+                <a:spcPts val="0"/>
+              </a:spcBef>
+              <a:spcAft>
+                <a:spcPts val="0"/>
+              </a:spcAft>
+              <a:buNone/>
+            </a:pPr>
+            <a:endParaRPr dirty="0"/>
+          </a:p>
+        </p:txBody>
+      </p:sp>
+      <p:pic>
+        <p:nvPicPr>
+          <p:cNvPr id="24" name="Graphic 23">
+            <a:extLst>
+              <a:ext uri="{FF2B5EF4-FFF2-40B4-BE49-F238E27FC236}">
+                <a16:creationId xmlns:a16="http://schemas.microsoft.com/office/drawing/2014/main" id="{6E5A89E5-51C9-CCA6-4EB5-1A849D6432E8}"/>
+              </a:ext>
+            </a:extLst>
+          </p:cNvPr>
+          <p:cNvPicPr>
+            <a:picLocks noChangeAspect="1"/>
+          </p:cNvPicPr>
+          <p:nvPr/>
+        </p:nvPicPr>
+        <p:blipFill>
+          <a:blip r:embed="rId20">
+            <a:extLst>
+              <a:ext uri="{96DAC541-7B7A-43D3-8B79-37D633B846F1}">
+                <asvg:svgBlip xmlns:asvg="http://schemas.microsoft.com/office/drawing/2016/SVG/main" r:embed="rId21"/>
+              </a:ext>
+            </a:extLst>
+          </a:blip>
+          <a:stretch>
+            <a:fillRect/>
+          </a:stretch>
+        </p:blipFill>
+        <p:spPr>
+          <a:xfrm>
+            <a:off x="9957816" y="3794760"/>
+            <a:ext cx="896471" cy="914400"/>
+          </a:xfrm>
+          <a:prstGeom prst="rect">
+            <a:avLst/>
+          </a:prstGeom>
+        </p:spPr>
+      </p:pic>
     </p:spTree>
   </p:cSld>
   <p:clrMapOvr>
